--- a/ToS Helper.pptx
+++ b/ToS Helper.pptx
@@ -4063,10 +4063,15 @@
             <p:ph sz="quarter" idx="13"/>
           </p:nvPr>
         </p:nvSpPr>
-        <p:spPr/>
+        <p:spPr>
+          <a:xfrm>
+            <a:off x="609600" y="1600200"/>
+            <a:ext cx="7924800" cy="4730969"/>
+          </a:xfrm>
+        </p:spPr>
         <p:txBody>
           <a:bodyPr>
-            <a:normAutofit/>
+            <a:normAutofit lnSpcReduction="10000"/>
           </a:bodyPr>
           <a:lstStyle/>
           <a:p>
@@ -4098,8 +4103,23 @@
           <a:p>
             <a:r>
               <a:rPr lang="en-US" sz="2400" dirty="0" smtClean="0"/>
-              <a:t>Companies take advantage of this User ignorance.</a:t>
-            </a:r>
+              <a:t>Companies take advantage of this User ignorance</a:t>
+            </a:r>
+            <a:r>
+              <a:rPr lang="en-US" sz="2400" dirty="0" smtClean="0"/>
+              <a:t>.</a:t>
+            </a:r>
+          </a:p>
+          <a:p>
+            <a:r>
+              <a:rPr lang="en-US" sz="2400" dirty="0" err="1" smtClean="0"/>
+              <a:t>Youtube</a:t>
+            </a:r>
+            <a:r>
+              <a:rPr lang="en-US" sz="2400" dirty="0" smtClean="0"/>
+              <a:t> policy states that terms maybe changed any time at their discretion, without notice to the user</a:t>
+            </a:r>
+            <a:endParaRPr lang="en-US" sz="2400" dirty="0" smtClean="0"/>
           </a:p>
           <a:p>
             <a:pPr marL="0" indent="0">
@@ -4708,13 +4728,13 @@
   <p:clrMapOvr>
     <a:masterClrMapping/>
   </p:clrMapOvr>
-  <mc:AlternateContent xmlns:mc="http://schemas.openxmlformats.org/markup-compatibility/2006">
-    <mc:Choice xmlns:p14="http://schemas.microsoft.com/office/powerpoint/2010/main" Requires="p14">
+  <mc:AlternateContent xmlns:mc="http://schemas.openxmlformats.org/markup-compatibility/2006" xmlns:p14="http://schemas.microsoft.com/office/powerpoint/2010/main">
+    <mc:Choice Requires="p14">
       <p:transition spd="slow" p14:dur="1800">
         <p14:doors/>
       </p:transition>
     </mc:Choice>
-    <mc:Fallback>
+    <mc:Fallback xmlns="">
       <p:transition xmlns:p14="http://schemas.microsoft.com/office/powerpoint/2010/main" spd="slow">
         <p:fade/>
       </p:transition>
